--- a/Web_Technologies_group_9_review.pptx
+++ b/Web_Technologies_group_9_review.pptx
@@ -128,6 +128,14 @@
     </p:ext>
   </p:extLst>
 </p:presentation>
+</file>
+
+<file path=ppt/revisionInfo.xml><?xml version="1.0" encoding="utf-8"?>
+<p1510:revInfo xmlns:a="http://schemas.openxmlformats.org/drawingml/2006/main" xmlns:r="http://schemas.openxmlformats.org/officeDocument/2006/relationships" xmlns:p1510="http://schemas.microsoft.com/office/powerpoint/2015/10/main">
+  <p1510:revLst>
+    <p1510:client id="{CF2F17EC-0F81-4B27-8CC1-17C7A51AF90E}" v="45" dt="2020-12-03T09:39:22.911"/>
+  </p1510:revLst>
+</p1510:revInfo>
 </file>
 
 <file path=ppt/changesInfos/changesInfo1.xml><?xml version="1.0" encoding="utf-8"?>
@@ -279,6 +287,30 @@
       </pc:sldChg>
     </pc:docChg>
   </pc:docChgLst>
+  <pc:docChgLst>
+    <pc:chgData name="Harris Mohamedov" userId="01dc6088662c2ef3" providerId="Windows Live" clId="Web-{CF2F17EC-0F81-4B27-8CC1-17C7A51AF90E}"/>
+    <pc:docChg chg="modSld">
+      <pc:chgData name="Harris Mohamedov" userId="01dc6088662c2ef3" providerId="Windows Live" clId="Web-{CF2F17EC-0F81-4B27-8CC1-17C7A51AF90E}" dt="2020-12-03T09:39:22.911" v="43" actId="20577"/>
+      <pc:docMkLst>
+        <pc:docMk/>
+      </pc:docMkLst>
+      <pc:sldChg chg="addSp modSp">
+        <pc:chgData name="Harris Mohamedov" userId="01dc6088662c2ef3" providerId="Windows Live" clId="Web-{CF2F17EC-0F81-4B27-8CC1-17C7A51AF90E}" dt="2020-12-03T09:39:19.958" v="41" actId="20577"/>
+        <pc:sldMkLst>
+          <pc:docMk/>
+          <pc:sldMk cId="209988522" sldId="257"/>
+        </pc:sldMkLst>
+        <pc:spChg chg="add mod">
+          <ac:chgData name="Harris Mohamedov" userId="01dc6088662c2ef3" providerId="Windows Live" clId="Web-{CF2F17EC-0F81-4B27-8CC1-17C7A51AF90E}" dt="2020-12-03T09:39:19.958" v="41" actId="20577"/>
+          <ac:spMkLst>
+            <pc:docMk/>
+            <pc:sldMk cId="209988522" sldId="257"/>
+            <ac:spMk id="3" creationId="{524E5F93-0479-4198-B08B-B525E1CF19A4}"/>
+          </ac:spMkLst>
+        </pc:spChg>
+      </pc:sldChg>
+    </pc:docChg>
+  </pc:docChgLst>
 </pc:chgInfo>
 </file>
 
@@ -332,7 +364,7 @@
           <a:noFill/>
           <a:extLst>
             <a:ext uri="{909E8E84-426E-40dd-AFC4-6F175D3DCCD1}">
-              <a14:hiddenFill xmlns="" xmlns:a14="http://schemas.microsoft.com/office/drawing/2010/main">
+              <a14:hiddenFill xmlns:a14="http://schemas.microsoft.com/office/drawing/2010/main" xmlns="">
                 <a:solidFill>
                   <a:srgbClr val="FFFFFF"/>
                 </a:solidFill>
@@ -392,7 +424,7 @@
             </a:ln>
             <a:extLst>
               <a:ext uri="{91240B29-F687-4f45-9708-019B960494DF}">
-                <a14:hiddenLine xmlns="" xmlns:a14="http://schemas.microsoft.com/office/drawing/2010/main" w="9525">
+                <a14:hiddenLine xmlns:a14="http://schemas.microsoft.com/office/drawing/2010/main" xmlns="" w="9525">
                   <a:solidFill>
                     <a:srgbClr val="000000"/>
                   </a:solidFill>
@@ -482,7 +514,7 @@
             </a:ln>
             <a:extLst>
               <a:ext uri="{91240B29-F687-4f45-9708-019B960494DF}">
-                <a14:hiddenLine xmlns="" xmlns:a14="http://schemas.microsoft.com/office/drawing/2010/main" w="9525">
+                <a14:hiddenLine xmlns:a14="http://schemas.microsoft.com/office/drawing/2010/main" xmlns="" w="9525">
                   <a:solidFill>
                     <a:srgbClr val="000000"/>
                   </a:solidFill>
@@ -572,7 +604,7 @@
             </a:ln>
             <a:extLst>
               <a:ext uri="{91240B29-F687-4f45-9708-019B960494DF}">
-                <a14:hiddenLine xmlns="" xmlns:a14="http://schemas.microsoft.com/office/drawing/2010/main" w="9525">
+                <a14:hiddenLine xmlns:a14="http://schemas.microsoft.com/office/drawing/2010/main" xmlns="" w="9525">
                   <a:solidFill>
                     <a:srgbClr val="000000"/>
                   </a:solidFill>
@@ -606,7 +638,7 @@
             </a:ln>
             <a:extLst>
               <a:ext uri="{91240B29-F687-4f45-9708-019B960494DF}">
-                <a14:hiddenLine xmlns="" xmlns:a14="http://schemas.microsoft.com/office/drawing/2010/main" w="9525">
+                <a14:hiddenLine xmlns:a14="http://schemas.microsoft.com/office/drawing/2010/main" xmlns="" w="9525">
                   <a:solidFill>
                     <a:srgbClr val="000000"/>
                   </a:solidFill>
@@ -696,7 +728,7 @@
             </a:ln>
             <a:extLst>
               <a:ext uri="{91240B29-F687-4f45-9708-019B960494DF}">
-                <a14:hiddenLine xmlns="" xmlns:a14="http://schemas.microsoft.com/office/drawing/2010/main" w="9525">
+                <a14:hiddenLine xmlns:a14="http://schemas.microsoft.com/office/drawing/2010/main" xmlns="" w="9525">
                   <a:solidFill>
                     <a:srgbClr val="000000"/>
                   </a:solidFill>
@@ -758,7 +790,7 @@
             </a:ln>
             <a:extLst>
               <a:ext uri="{91240B29-F687-4f45-9708-019B960494DF}">
-                <a14:hiddenLine xmlns="" xmlns:a14="http://schemas.microsoft.com/office/drawing/2010/main" w="9525">
+                <a14:hiddenLine xmlns:a14="http://schemas.microsoft.com/office/drawing/2010/main" xmlns="" w="9525">
                   <a:solidFill>
                     <a:srgbClr val="000000"/>
                   </a:solidFill>
@@ -820,7 +852,7 @@
             </a:ln>
             <a:extLst>
               <a:ext uri="{91240B29-F687-4f45-9708-019B960494DF}">
-                <a14:hiddenLine xmlns="" xmlns:a14="http://schemas.microsoft.com/office/drawing/2010/main" w="9525">
+                <a14:hiddenLine xmlns:a14="http://schemas.microsoft.com/office/drawing/2010/main" xmlns="" w="9525">
                   <a:solidFill>
                     <a:srgbClr val="000000"/>
                   </a:solidFill>
@@ -910,7 +942,7 @@
             </a:ln>
             <a:extLst>
               <a:ext uri="{91240B29-F687-4f45-9708-019B960494DF}">
-                <a14:hiddenLine xmlns="" xmlns:a14="http://schemas.microsoft.com/office/drawing/2010/main" w="9525">
+                <a14:hiddenLine xmlns:a14="http://schemas.microsoft.com/office/drawing/2010/main" xmlns="" w="9525">
                   <a:solidFill>
                     <a:srgbClr val="000000"/>
                   </a:solidFill>
@@ -972,7 +1004,7 @@
             </a:ln>
             <a:extLst>
               <a:ext uri="{91240B29-F687-4f45-9708-019B960494DF}">
-                <a14:hiddenLine xmlns="" xmlns:a14="http://schemas.microsoft.com/office/drawing/2010/main" w="9525">
+                <a14:hiddenLine xmlns:a14="http://schemas.microsoft.com/office/drawing/2010/main" xmlns="" w="9525">
                   <a:solidFill>
                     <a:srgbClr val="000000"/>
                   </a:solidFill>
@@ -1034,7 +1066,7 @@
             </a:ln>
             <a:extLst>
               <a:ext uri="{91240B29-F687-4f45-9708-019B960494DF}">
-                <a14:hiddenLine xmlns="" xmlns:a14="http://schemas.microsoft.com/office/drawing/2010/main" w="9525">
+                <a14:hiddenLine xmlns:a14="http://schemas.microsoft.com/office/drawing/2010/main" xmlns="" w="9525">
                   <a:solidFill>
                     <a:srgbClr val="000000"/>
                   </a:solidFill>
@@ -1124,7 +1156,7 @@
             </a:ln>
             <a:extLst>
               <a:ext uri="{91240B29-F687-4f45-9708-019B960494DF}">
-                <a14:hiddenLine xmlns="" xmlns:a14="http://schemas.microsoft.com/office/drawing/2010/main" w="9525">
+                <a14:hiddenLine xmlns:a14="http://schemas.microsoft.com/office/drawing/2010/main" xmlns="" w="9525">
                   <a:solidFill>
                     <a:srgbClr val="000000"/>
                   </a:solidFill>
@@ -1214,7 +1246,7 @@
             </a:ln>
             <a:extLst>
               <a:ext uri="{91240B29-F687-4f45-9708-019B960494DF}">
-                <a14:hiddenLine xmlns="" xmlns:a14="http://schemas.microsoft.com/office/drawing/2010/main" w="9525">
+                <a14:hiddenLine xmlns:a14="http://schemas.microsoft.com/office/drawing/2010/main" xmlns="" w="9525">
                   <a:solidFill>
                     <a:srgbClr val="000000"/>
                   </a:solidFill>
@@ -1276,7 +1308,7 @@
             </a:ln>
             <a:extLst>
               <a:ext uri="{91240B29-F687-4f45-9708-019B960494DF}">
-                <a14:hiddenLine xmlns="" xmlns:a14="http://schemas.microsoft.com/office/drawing/2010/main" w="9525">
+                <a14:hiddenLine xmlns:a14="http://schemas.microsoft.com/office/drawing/2010/main" xmlns="" w="9525">
                   <a:solidFill>
                     <a:srgbClr val="000000"/>
                   </a:solidFill>
@@ -1386,7 +1418,7 @@
             </a:ln>
             <a:extLst>
               <a:ext uri="{91240B29-F687-4f45-9708-019B960494DF}">
-                <a14:hiddenLine xmlns="" xmlns:a14="http://schemas.microsoft.com/office/drawing/2010/main" w="9525">
+                <a14:hiddenLine xmlns:a14="http://schemas.microsoft.com/office/drawing/2010/main" xmlns="" w="9525">
                   <a:solidFill>
                     <a:srgbClr val="000000"/>
                   </a:solidFill>
@@ -1448,7 +1480,7 @@
             </a:ln>
             <a:extLst>
               <a:ext uri="{91240B29-F687-4f45-9708-019B960494DF}">
-                <a14:hiddenLine xmlns="" xmlns:a14="http://schemas.microsoft.com/office/drawing/2010/main" w="9525">
+                <a14:hiddenLine xmlns:a14="http://schemas.microsoft.com/office/drawing/2010/main" xmlns="" w="9525">
                   <a:solidFill>
                     <a:srgbClr val="000000"/>
                   </a:solidFill>
@@ -1538,7 +1570,7 @@
             </a:ln>
             <a:extLst>
               <a:ext uri="{91240B29-F687-4f45-9708-019B960494DF}">
-                <a14:hiddenLine xmlns="" xmlns:a14="http://schemas.microsoft.com/office/drawing/2010/main" w="9525">
+                <a14:hiddenLine xmlns:a14="http://schemas.microsoft.com/office/drawing/2010/main" xmlns="" w="9525">
                   <a:solidFill>
                     <a:srgbClr val="000000"/>
                   </a:solidFill>
@@ -1628,7 +1660,7 @@
             </a:ln>
             <a:extLst>
               <a:ext uri="{91240B29-F687-4f45-9708-019B960494DF}">
-                <a14:hiddenLine xmlns="" xmlns:a14="http://schemas.microsoft.com/office/drawing/2010/main" w="9525">
+                <a14:hiddenLine xmlns:a14="http://schemas.microsoft.com/office/drawing/2010/main" xmlns="" w="9525">
                   <a:solidFill>
                     <a:srgbClr val="000000"/>
                   </a:solidFill>
@@ -1690,7 +1722,7 @@
             </a:ln>
             <a:extLst>
               <a:ext uri="{91240B29-F687-4f45-9708-019B960494DF}">
-                <a14:hiddenLine xmlns="" xmlns:a14="http://schemas.microsoft.com/office/drawing/2010/main" w="9525">
+                <a14:hiddenLine xmlns:a14="http://schemas.microsoft.com/office/drawing/2010/main" xmlns="" w="9525">
                   <a:solidFill>
                     <a:srgbClr val="000000"/>
                   </a:solidFill>
@@ -1780,7 +1812,7 @@
             </a:ln>
             <a:extLst>
               <a:ext uri="{91240B29-F687-4f45-9708-019B960494DF}">
-                <a14:hiddenLine xmlns="" xmlns:a14="http://schemas.microsoft.com/office/drawing/2010/main" w="9525">
+                <a14:hiddenLine xmlns:a14="http://schemas.microsoft.com/office/drawing/2010/main" xmlns="" w="9525">
                   <a:solidFill>
                     <a:srgbClr val="000000"/>
                   </a:solidFill>
@@ -1870,7 +1902,7 @@
             </a:ln>
             <a:extLst>
               <a:ext uri="{91240B29-F687-4f45-9708-019B960494DF}">
-                <a14:hiddenLine xmlns="" xmlns:a14="http://schemas.microsoft.com/office/drawing/2010/main" w="9525">
+                <a14:hiddenLine xmlns:a14="http://schemas.microsoft.com/office/drawing/2010/main" xmlns="" w="9525">
                   <a:solidFill>
                     <a:srgbClr val="000000"/>
                   </a:solidFill>
@@ -1926,7 +1958,7 @@
             </a:ln>
             <a:extLst>
               <a:ext uri="{91240B29-F687-4f45-9708-019B960494DF}">
-                <a14:hiddenLine xmlns="" xmlns:a14="http://schemas.microsoft.com/office/drawing/2010/main" w="9525">
+                <a14:hiddenLine xmlns:a14="http://schemas.microsoft.com/office/drawing/2010/main" xmlns="" w="9525">
                   <a:solidFill>
                     <a:srgbClr val="000000"/>
                   </a:solidFill>
@@ -2016,7 +2048,7 @@
             </a:ln>
             <a:extLst>
               <a:ext uri="{91240B29-F687-4f45-9708-019B960494DF}">
-                <a14:hiddenLine xmlns="" xmlns:a14="http://schemas.microsoft.com/office/drawing/2010/main" w="9525">
+                <a14:hiddenLine xmlns:a14="http://schemas.microsoft.com/office/drawing/2010/main" xmlns="" w="9525">
                   <a:solidFill>
                     <a:srgbClr val="000000"/>
                   </a:solidFill>
@@ -2072,7 +2104,7 @@
             </a:ln>
             <a:extLst>
               <a:ext uri="{91240B29-F687-4f45-9708-019B960494DF}">
-                <a14:hiddenLine xmlns="" xmlns:a14="http://schemas.microsoft.com/office/drawing/2010/main" w="9525">
+                <a14:hiddenLine xmlns:a14="http://schemas.microsoft.com/office/drawing/2010/main" xmlns="" w="9525">
                   <a:solidFill>
                     <a:srgbClr val="000000"/>
                   </a:solidFill>
@@ -2162,7 +2194,7 @@
             </a:ln>
             <a:extLst>
               <a:ext uri="{91240B29-F687-4f45-9708-019B960494DF}">
-                <a14:hiddenLine xmlns="" xmlns:a14="http://schemas.microsoft.com/office/drawing/2010/main" w="9525">
+                <a14:hiddenLine xmlns:a14="http://schemas.microsoft.com/office/drawing/2010/main" xmlns="" w="9525">
                   <a:solidFill>
                     <a:srgbClr val="000000"/>
                   </a:solidFill>
@@ -2230,7 +2262,7 @@
             </a:ln>
             <a:extLst>
               <a:ext uri="{91240B29-F687-4f45-9708-019B960494DF}">
-                <a14:hiddenLine xmlns="" xmlns:a14="http://schemas.microsoft.com/office/drawing/2010/main" w="9525">
+                <a14:hiddenLine xmlns:a14="http://schemas.microsoft.com/office/drawing/2010/main" xmlns="" w="9525">
                   <a:solidFill>
                     <a:srgbClr val="000000"/>
                   </a:solidFill>
@@ -2320,7 +2352,7 @@
             </a:ln>
             <a:extLst>
               <a:ext uri="{91240B29-F687-4f45-9708-019B960494DF}">
-                <a14:hiddenLine xmlns="" xmlns:a14="http://schemas.microsoft.com/office/drawing/2010/main" w="9525">
+                <a14:hiddenLine xmlns:a14="http://schemas.microsoft.com/office/drawing/2010/main" xmlns="" w="9525">
                   <a:solidFill>
                     <a:srgbClr val="000000"/>
                   </a:solidFill>
@@ -2388,7 +2420,7 @@
             </a:ln>
             <a:extLst>
               <a:ext uri="{91240B29-F687-4f45-9708-019B960494DF}">
-                <a14:hiddenLine xmlns="" xmlns:a14="http://schemas.microsoft.com/office/drawing/2010/main" w="9525">
+                <a14:hiddenLine xmlns:a14="http://schemas.microsoft.com/office/drawing/2010/main" xmlns="" w="9525">
                   <a:solidFill>
                     <a:srgbClr val="000000"/>
                   </a:solidFill>
@@ -2478,7 +2510,7 @@
             </a:ln>
             <a:extLst>
               <a:ext uri="{91240B29-F687-4f45-9708-019B960494DF}">
-                <a14:hiddenLine xmlns="" xmlns:a14="http://schemas.microsoft.com/office/drawing/2010/main" w="9525">
+                <a14:hiddenLine xmlns:a14="http://schemas.microsoft.com/office/drawing/2010/main" xmlns="" w="9525">
                   <a:solidFill>
                     <a:srgbClr val="000000"/>
                   </a:solidFill>
@@ -2512,7 +2544,7 @@
             </a:ln>
             <a:extLst>
               <a:ext uri="{91240B29-F687-4f45-9708-019B960494DF}">
-                <a14:hiddenLine xmlns="" xmlns:a14="http://schemas.microsoft.com/office/drawing/2010/main" w="9525">
+                <a14:hiddenLine xmlns:a14="http://schemas.microsoft.com/office/drawing/2010/main" xmlns="" w="9525">
                   <a:solidFill>
                     <a:srgbClr val="000000"/>
                   </a:solidFill>
@@ -2602,7 +2634,7 @@
             </a:ln>
             <a:extLst>
               <a:ext uri="{91240B29-F687-4f45-9708-019B960494DF}">
-                <a14:hiddenLine xmlns="" xmlns:a14="http://schemas.microsoft.com/office/drawing/2010/main" w="9525">
+                <a14:hiddenLine xmlns:a14="http://schemas.microsoft.com/office/drawing/2010/main" xmlns="" w="9525">
                   <a:solidFill>
                     <a:srgbClr val="000000"/>
                   </a:solidFill>
@@ -2664,7 +2696,7 @@
             </a:ln>
             <a:extLst>
               <a:ext uri="{91240B29-F687-4f45-9708-019B960494DF}">
-                <a14:hiddenLine xmlns="" xmlns:a14="http://schemas.microsoft.com/office/drawing/2010/main" w="9525">
+                <a14:hiddenLine xmlns:a14="http://schemas.microsoft.com/office/drawing/2010/main" xmlns="" w="9525">
                   <a:solidFill>
                     <a:srgbClr val="000000"/>
                   </a:solidFill>
@@ -2726,7 +2758,7 @@
             </a:ln>
             <a:extLst>
               <a:ext uri="{91240B29-F687-4f45-9708-019B960494DF}">
-                <a14:hiddenLine xmlns="" xmlns:a14="http://schemas.microsoft.com/office/drawing/2010/main" w="9525">
+                <a14:hiddenLine xmlns:a14="http://schemas.microsoft.com/office/drawing/2010/main" xmlns="" w="9525">
                   <a:solidFill>
                     <a:srgbClr val="000000"/>
                   </a:solidFill>
@@ -2816,7 +2848,7 @@
             </a:ln>
             <a:extLst>
               <a:ext uri="{91240B29-F687-4f45-9708-019B960494DF}">
-                <a14:hiddenLine xmlns="" xmlns:a14="http://schemas.microsoft.com/office/drawing/2010/main" w="9525">
+                <a14:hiddenLine xmlns:a14="http://schemas.microsoft.com/office/drawing/2010/main" xmlns="" w="9525">
                   <a:solidFill>
                     <a:srgbClr val="000000"/>
                   </a:solidFill>
@@ -2884,7 +2916,7 @@
             </a:ln>
             <a:extLst>
               <a:ext uri="{91240B29-F687-4f45-9708-019B960494DF}">
-                <a14:hiddenLine xmlns="" xmlns:a14="http://schemas.microsoft.com/office/drawing/2010/main" w="9525">
+                <a14:hiddenLine xmlns:a14="http://schemas.microsoft.com/office/drawing/2010/main" xmlns="" w="9525">
                   <a:solidFill>
                     <a:srgbClr val="000000"/>
                   </a:solidFill>
@@ -2946,7 +2978,7 @@
             </a:ln>
             <a:extLst>
               <a:ext uri="{91240B29-F687-4f45-9708-019B960494DF}">
-                <a14:hiddenLine xmlns="" xmlns:a14="http://schemas.microsoft.com/office/drawing/2010/main" w="9525">
+                <a14:hiddenLine xmlns:a14="http://schemas.microsoft.com/office/drawing/2010/main" xmlns="" w="9525">
                   <a:solidFill>
                     <a:srgbClr val="000000"/>
                   </a:solidFill>
@@ -3036,7 +3068,7 @@
             </a:ln>
             <a:extLst>
               <a:ext uri="{91240B29-F687-4f45-9708-019B960494DF}">
-                <a14:hiddenLine xmlns="" xmlns:a14="http://schemas.microsoft.com/office/drawing/2010/main" w="9525">
+                <a14:hiddenLine xmlns:a14="http://schemas.microsoft.com/office/drawing/2010/main" xmlns="" w="9525">
                   <a:solidFill>
                     <a:srgbClr val="000000"/>
                   </a:solidFill>
@@ -3098,7 +3130,7 @@
             </a:ln>
             <a:extLst>
               <a:ext uri="{91240B29-F687-4f45-9708-019B960494DF}">
-                <a14:hiddenLine xmlns="" xmlns:a14="http://schemas.microsoft.com/office/drawing/2010/main" w="9525">
+                <a14:hiddenLine xmlns:a14="http://schemas.microsoft.com/office/drawing/2010/main" xmlns="" w="9525">
                   <a:solidFill>
                     <a:srgbClr val="000000"/>
                   </a:solidFill>
@@ -3188,7 +3220,7 @@
             </a:ln>
             <a:extLst>
               <a:ext uri="{91240B29-F687-4f45-9708-019B960494DF}">
-                <a14:hiddenLine xmlns="" xmlns:a14="http://schemas.microsoft.com/office/drawing/2010/main" w="9525">
+                <a14:hiddenLine xmlns:a14="http://schemas.microsoft.com/office/drawing/2010/main" xmlns="" w="9525">
                   <a:solidFill>
                     <a:srgbClr val="000000"/>
                   </a:solidFill>
@@ -3250,7 +3282,7 @@
             </a:ln>
             <a:extLst>
               <a:ext uri="{91240B29-F687-4f45-9708-019B960494DF}">
-                <a14:hiddenLine xmlns="" xmlns:a14="http://schemas.microsoft.com/office/drawing/2010/main" w="9525">
+                <a14:hiddenLine xmlns:a14="http://schemas.microsoft.com/office/drawing/2010/main" xmlns="" w="9525">
                   <a:solidFill>
                     <a:srgbClr val="000000"/>
                   </a:solidFill>
@@ -3340,7 +3372,7 @@
             </a:ln>
             <a:extLst>
               <a:ext uri="{91240B29-F687-4f45-9708-019B960494DF}">
-                <a14:hiddenLine xmlns="" xmlns:a14="http://schemas.microsoft.com/office/drawing/2010/main" w="9525">
+                <a14:hiddenLine xmlns:a14="http://schemas.microsoft.com/office/drawing/2010/main" xmlns="" w="9525">
                   <a:solidFill>
                     <a:srgbClr val="000000"/>
                   </a:solidFill>
@@ -3374,7 +3406,7 @@
             </a:ln>
             <a:extLst>
               <a:ext uri="{91240B29-F687-4f45-9708-019B960494DF}">
-                <a14:hiddenLine xmlns="" xmlns:a14="http://schemas.microsoft.com/office/drawing/2010/main" w="9525">
+                <a14:hiddenLine xmlns:a14="http://schemas.microsoft.com/office/drawing/2010/main" xmlns="" w="9525">
                   <a:solidFill>
                     <a:srgbClr val="000000"/>
                   </a:solidFill>
@@ -3439,7 +3471,7 @@
             </a:ln>
             <a:extLst>
               <a:ext uri="{91240B29-F687-4f45-9708-019B960494DF}">
-                <a14:hiddenLine xmlns="" xmlns:a14="http://schemas.microsoft.com/office/drawing/2010/main" w="9525">
+                <a14:hiddenLine xmlns:a14="http://schemas.microsoft.com/office/drawing/2010/main" xmlns="" w="9525">
                   <a:solidFill>
                     <a:srgbClr val="000000"/>
                   </a:solidFill>
@@ -3529,7 +3561,7 @@
             </a:ln>
             <a:extLst>
               <a:ext uri="{91240B29-F687-4f45-9708-019B960494DF}">
-                <a14:hiddenLine xmlns="" xmlns:a14="http://schemas.microsoft.com/office/drawing/2010/main" w="9525">
+                <a14:hiddenLine xmlns:a14="http://schemas.microsoft.com/office/drawing/2010/main" xmlns="" w="9525">
                   <a:solidFill>
                     <a:srgbClr val="000000"/>
                   </a:solidFill>
@@ -3591,7 +3623,7 @@
             </a:ln>
             <a:extLst>
               <a:ext uri="{91240B29-F687-4f45-9708-019B960494DF}">
-                <a14:hiddenLine xmlns="" xmlns:a14="http://schemas.microsoft.com/office/drawing/2010/main" w="9525">
+                <a14:hiddenLine xmlns:a14="http://schemas.microsoft.com/office/drawing/2010/main" xmlns="" w="9525">
                   <a:solidFill>
                     <a:srgbClr val="000000"/>
                   </a:solidFill>
@@ -3681,7 +3713,7 @@
             </a:ln>
             <a:extLst>
               <a:ext uri="{91240B29-F687-4f45-9708-019B960494DF}">
-                <a14:hiddenLine xmlns="" xmlns:a14="http://schemas.microsoft.com/office/drawing/2010/main" w="9525">
+                <a14:hiddenLine xmlns:a14="http://schemas.microsoft.com/office/drawing/2010/main" xmlns="" w="9525">
                   <a:solidFill>
                     <a:srgbClr val="000000"/>
                   </a:solidFill>
@@ -3771,7 +3803,7 @@
             </a:ln>
             <a:extLst>
               <a:ext uri="{91240B29-F687-4f45-9708-019B960494DF}">
-                <a14:hiddenLine xmlns="" xmlns:a14="http://schemas.microsoft.com/office/drawing/2010/main" w="9525">
+                <a14:hiddenLine xmlns:a14="http://schemas.microsoft.com/office/drawing/2010/main" xmlns="" w="9525">
                   <a:solidFill>
                     <a:srgbClr val="000000"/>
                   </a:solidFill>
@@ -3836,7 +3868,7 @@
             </a:ln>
             <a:extLst>
               <a:ext uri="{91240B29-F687-4f45-9708-019B960494DF}">
-                <a14:hiddenLine xmlns="" xmlns:a14="http://schemas.microsoft.com/office/drawing/2010/main" w="9525">
+                <a14:hiddenLine xmlns:a14="http://schemas.microsoft.com/office/drawing/2010/main" xmlns="" w="9525">
                   <a:solidFill>
                     <a:srgbClr val="000000"/>
                   </a:solidFill>
@@ -3898,7 +3930,7 @@
             </a:ln>
             <a:extLst>
               <a:ext uri="{91240B29-F687-4f45-9708-019B960494DF}">
-                <a14:hiddenLine xmlns="" xmlns:a14="http://schemas.microsoft.com/office/drawing/2010/main" w="9525">
+                <a14:hiddenLine xmlns:a14="http://schemas.microsoft.com/office/drawing/2010/main" xmlns="" w="9525">
                   <a:solidFill>
                     <a:srgbClr val="000000"/>
                   </a:solidFill>
@@ -3988,7 +4020,7 @@
             </a:ln>
             <a:extLst>
               <a:ext uri="{91240B29-F687-4f45-9708-019B960494DF}">
-                <a14:hiddenLine xmlns="" xmlns:a14="http://schemas.microsoft.com/office/drawing/2010/main" w="9525">
+                <a14:hiddenLine xmlns:a14="http://schemas.microsoft.com/office/drawing/2010/main" xmlns="" w="9525">
                   <a:solidFill>
                     <a:srgbClr val="000000"/>
                   </a:solidFill>
@@ -4078,7 +4110,7 @@
             </a:ln>
             <a:extLst>
               <a:ext uri="{91240B29-F687-4f45-9708-019B960494DF}">
-                <a14:hiddenLine xmlns="" xmlns:a14="http://schemas.microsoft.com/office/drawing/2010/main" w="9525">
+                <a14:hiddenLine xmlns:a14="http://schemas.microsoft.com/office/drawing/2010/main" xmlns="" w="9525">
                   <a:solidFill>
                     <a:srgbClr val="000000"/>
                   </a:solidFill>
@@ -4140,7 +4172,7 @@
             </a:ln>
             <a:extLst>
               <a:ext uri="{91240B29-F687-4f45-9708-019B960494DF}">
-                <a14:hiddenLine xmlns="" xmlns:a14="http://schemas.microsoft.com/office/drawing/2010/main" w="9525">
+                <a14:hiddenLine xmlns:a14="http://schemas.microsoft.com/office/drawing/2010/main" xmlns="" w="9525">
                   <a:solidFill>
                     <a:srgbClr val="000000"/>
                   </a:solidFill>
@@ -4260,7 +4292,7 @@
             </a:ln>
             <a:extLst>
               <a:ext uri="{91240B29-F687-4f45-9708-019B960494DF}">
-                <a14:hiddenLine xmlns="" xmlns:a14="http://schemas.microsoft.com/office/drawing/2010/main" w="9525">
+                <a14:hiddenLine xmlns:a14="http://schemas.microsoft.com/office/drawing/2010/main" xmlns="" w="9525">
                   <a:solidFill>
                     <a:srgbClr val="000000"/>
                   </a:solidFill>
@@ -4328,7 +4360,7 @@
             </a:ln>
             <a:extLst>
               <a:ext uri="{91240B29-F687-4f45-9708-019B960494DF}">
-                <a14:hiddenLine xmlns="" xmlns:a14="http://schemas.microsoft.com/office/drawing/2010/main" w="9525">
+                <a14:hiddenLine xmlns:a14="http://schemas.microsoft.com/office/drawing/2010/main" xmlns="" w="9525">
                   <a:solidFill>
                     <a:srgbClr val="000000"/>
                   </a:solidFill>
@@ -4418,7 +4450,7 @@
             </a:ln>
             <a:extLst>
               <a:ext uri="{91240B29-F687-4f45-9708-019B960494DF}">
-                <a14:hiddenLine xmlns="" xmlns:a14="http://schemas.microsoft.com/office/drawing/2010/main" w="9525">
+                <a14:hiddenLine xmlns:a14="http://schemas.microsoft.com/office/drawing/2010/main" xmlns="" w="9525">
                   <a:solidFill>
                     <a:srgbClr val="000000"/>
                   </a:solidFill>
@@ -4559,7 +4591,7 @@
             <a:fld id="{42976A4C-B4EB-4DB5-84F6-2C8938567122}" type="datetimeFigureOut">
               <a:rPr lang="en-US" smtClean="0"/>
               <a:pPr/>
-              <a:t>11/30/2020</a:t>
+              <a:t>12/3/2020</a:t>
             </a:fld>
             <a:endParaRPr lang="en-US"/>
           </a:p>
@@ -4828,7 +4860,7 @@
             <a:fld id="{42976A4C-B4EB-4DB5-84F6-2C8938567122}" type="datetimeFigureOut">
               <a:rPr lang="en-US" smtClean="0"/>
               <a:pPr/>
-              <a:t>11/30/2020</a:t>
+              <a:t>12/3/2020</a:t>
             </a:fld>
             <a:endParaRPr lang="en-US"/>
           </a:p>
@@ -5026,7 +5058,7 @@
             <a:fld id="{42976A4C-B4EB-4DB5-84F6-2C8938567122}" type="datetimeFigureOut">
               <a:rPr lang="en-US" smtClean="0"/>
               <a:pPr/>
-              <a:t>11/30/2020</a:t>
+              <a:t>12/3/2020</a:t>
             </a:fld>
             <a:endParaRPr lang="en-US"/>
           </a:p>
@@ -5291,7 +5323,7 @@
             <a:fld id="{42976A4C-B4EB-4DB5-84F6-2C8938567122}" type="datetimeFigureOut">
               <a:rPr lang="en-US" smtClean="0"/>
               <a:pPr/>
-              <a:t>11/30/2020</a:t>
+              <a:t>12/3/2020</a:t>
             </a:fld>
             <a:endParaRPr lang="en-US"/>
           </a:p>
@@ -5727,7 +5759,7 @@
             <a:fld id="{42976A4C-B4EB-4DB5-84F6-2C8938567122}" type="datetimeFigureOut">
               <a:rPr lang="en-US" smtClean="0"/>
               <a:pPr/>
-              <a:t>11/30/2020</a:t>
+              <a:t>12/3/2020</a:t>
             </a:fld>
             <a:endParaRPr lang="en-US"/>
           </a:p>
@@ -6275,7 +6307,7 @@
             <a:fld id="{42976A4C-B4EB-4DB5-84F6-2C8938567122}" type="datetimeFigureOut">
               <a:rPr lang="en-US" smtClean="0"/>
               <a:pPr/>
-              <a:t>11/30/2020</a:t>
+              <a:t>12/3/2020</a:t>
             </a:fld>
             <a:endParaRPr lang="en-US"/>
           </a:p>
@@ -6997,7 +7029,7 @@
             <a:fld id="{42976A4C-B4EB-4DB5-84F6-2C8938567122}" type="datetimeFigureOut">
               <a:rPr lang="en-US" smtClean="0"/>
               <a:pPr/>
-              <a:t>11/30/2020</a:t>
+              <a:t>12/3/2020</a:t>
             </a:fld>
             <a:endParaRPr lang="en-US"/>
           </a:p>
@@ -7169,7 +7201,7 @@
             <a:fld id="{42976A4C-B4EB-4DB5-84F6-2C8938567122}" type="datetimeFigureOut">
               <a:rPr lang="en-US" smtClean="0"/>
               <a:pPr/>
-              <a:t>11/30/2020</a:t>
+              <a:t>12/3/2020</a:t>
             </a:fld>
             <a:endParaRPr lang="en-US"/>
           </a:p>
@@ -7351,7 +7383,7 @@
             <a:fld id="{42976A4C-B4EB-4DB5-84F6-2C8938567122}" type="datetimeFigureOut">
               <a:rPr lang="en-US" smtClean="0"/>
               <a:pPr/>
-              <a:t>11/30/2020</a:t>
+              <a:t>12/3/2020</a:t>
             </a:fld>
             <a:endParaRPr lang="en-US"/>
           </a:p>
@@ -7523,7 +7555,7 @@
             <a:fld id="{42976A4C-B4EB-4DB5-84F6-2C8938567122}" type="datetimeFigureOut">
               <a:rPr lang="en-US" smtClean="0"/>
               <a:pPr/>
-              <a:t>11/30/2020</a:t>
+              <a:t>12/3/2020</a:t>
             </a:fld>
             <a:endParaRPr lang="en-US"/>
           </a:p>
@@ -7775,7 +7807,7 @@
             <a:fld id="{42976A4C-B4EB-4DB5-84F6-2C8938567122}" type="datetimeFigureOut">
               <a:rPr lang="en-US" smtClean="0"/>
               <a:pPr/>
-              <a:t>11/30/2020</a:t>
+              <a:t>12/3/2020</a:t>
             </a:fld>
             <a:endParaRPr lang="en-US"/>
           </a:p>
@@ -8009,7 +8041,7 @@
             <a:fld id="{42976A4C-B4EB-4DB5-84F6-2C8938567122}" type="datetimeFigureOut">
               <a:rPr lang="en-US" smtClean="0"/>
               <a:pPr/>
-              <a:t>11/30/2020</a:t>
+              <a:t>12/3/2020</a:t>
             </a:fld>
             <a:endParaRPr lang="en-US"/>
           </a:p>
@@ -8392,7 +8424,7 @@
             <a:fld id="{42976A4C-B4EB-4DB5-84F6-2C8938567122}" type="datetimeFigureOut">
               <a:rPr lang="en-US" smtClean="0"/>
               <a:pPr/>
-              <a:t>11/30/2020</a:t>
+              <a:t>12/3/2020</a:t>
             </a:fld>
             <a:endParaRPr lang="en-US"/>
           </a:p>
@@ -8512,7 +8544,7 @@
             <a:fld id="{42976A4C-B4EB-4DB5-84F6-2C8938567122}" type="datetimeFigureOut">
               <a:rPr lang="en-US" smtClean="0"/>
               <a:pPr/>
-              <a:t>11/30/2020</a:t>
+              <a:t>12/3/2020</a:t>
             </a:fld>
             <a:endParaRPr lang="en-US"/>
           </a:p>
@@ -8609,7 +8641,7 @@
             <a:fld id="{42976A4C-B4EB-4DB5-84F6-2C8938567122}" type="datetimeFigureOut">
               <a:rPr lang="en-US" smtClean="0"/>
               <a:pPr/>
-              <a:t>11/30/2020</a:t>
+              <a:t>12/3/2020</a:t>
             </a:fld>
             <a:endParaRPr lang="en-US"/>
           </a:p>
@@ -8860,7 +8892,7 @@
             <a:fld id="{42976A4C-B4EB-4DB5-84F6-2C8938567122}" type="datetimeFigureOut">
               <a:rPr lang="en-US" smtClean="0"/>
               <a:pPr/>
-              <a:t>11/30/2020</a:t>
+              <a:t>12/3/2020</a:t>
             </a:fld>
             <a:endParaRPr lang="en-US"/>
           </a:p>
@@ -9142,7 +9174,7 @@
             <a:fld id="{42976A4C-B4EB-4DB5-84F6-2C8938567122}" type="datetimeFigureOut">
               <a:rPr lang="en-US" smtClean="0"/>
               <a:pPr/>
-              <a:t>11/30/2020</a:t>
+              <a:t>12/3/2020</a:t>
             </a:fld>
             <a:endParaRPr lang="en-US"/>
           </a:p>
@@ -9259,7 +9291,7 @@
           <a:noFill/>
           <a:extLst>
             <a:ext uri="{909E8E84-426E-40dd-AFC4-6F175D3DCCD1}">
-              <a14:hiddenFill xmlns="" xmlns:a14="http://schemas.microsoft.com/office/drawing/2010/main">
+              <a14:hiddenFill xmlns:a14="http://schemas.microsoft.com/office/drawing/2010/main" xmlns="">
                 <a:solidFill>
                   <a:srgbClr val="FFFFFF"/>
                 </a:solidFill>
@@ -9333,7 +9365,7 @@
               </a:ln>
               <a:extLst>
                 <a:ext uri="{91240B29-F687-4f45-9708-019B960494DF}">
-                  <a14:hiddenLine xmlns="" xmlns:a14="http://schemas.microsoft.com/office/drawing/2010/main" w="9525">
+                  <a14:hiddenLine xmlns:a14="http://schemas.microsoft.com/office/drawing/2010/main" xmlns="" w="9525">
                     <a:solidFill>
                       <a:srgbClr val="000000"/>
                     </a:solidFill>
@@ -9423,7 +9455,7 @@
               </a:ln>
               <a:extLst>
                 <a:ext uri="{91240B29-F687-4f45-9708-019B960494DF}">
-                  <a14:hiddenLine xmlns="" xmlns:a14="http://schemas.microsoft.com/office/drawing/2010/main" w="9525">
+                  <a14:hiddenLine xmlns:a14="http://schemas.microsoft.com/office/drawing/2010/main" xmlns="" w="9525">
                     <a:solidFill>
                       <a:srgbClr val="000000"/>
                     </a:solidFill>
@@ -9513,7 +9545,7 @@
               </a:ln>
               <a:extLst>
                 <a:ext uri="{91240B29-F687-4f45-9708-019B960494DF}">
-                  <a14:hiddenLine xmlns="" xmlns:a14="http://schemas.microsoft.com/office/drawing/2010/main" w="9525">
+                  <a14:hiddenLine xmlns:a14="http://schemas.microsoft.com/office/drawing/2010/main" xmlns="" w="9525">
                     <a:solidFill>
                       <a:srgbClr val="000000"/>
                     </a:solidFill>
@@ -9575,7 +9607,7 @@
               </a:ln>
               <a:extLst>
                 <a:ext uri="{91240B29-F687-4f45-9708-019B960494DF}">
-                  <a14:hiddenLine xmlns="" xmlns:a14="http://schemas.microsoft.com/office/drawing/2010/main" w="9525">
+                  <a14:hiddenLine xmlns:a14="http://schemas.microsoft.com/office/drawing/2010/main" xmlns="" w="9525">
                     <a:solidFill>
                       <a:srgbClr val="000000"/>
                     </a:solidFill>
@@ -9665,7 +9697,7 @@
               </a:ln>
               <a:extLst>
                 <a:ext uri="{91240B29-F687-4f45-9708-019B960494DF}">
-                  <a14:hiddenLine xmlns="" xmlns:a14="http://schemas.microsoft.com/office/drawing/2010/main" w="9525">
+                  <a14:hiddenLine xmlns:a14="http://schemas.microsoft.com/office/drawing/2010/main" xmlns="" w="9525">
                     <a:solidFill>
                       <a:srgbClr val="000000"/>
                     </a:solidFill>
@@ -9727,7 +9759,7 @@
               </a:ln>
               <a:extLst>
                 <a:ext uri="{91240B29-F687-4f45-9708-019B960494DF}">
-                  <a14:hiddenLine xmlns="" xmlns:a14="http://schemas.microsoft.com/office/drawing/2010/main" w="9525">
+                  <a14:hiddenLine xmlns:a14="http://schemas.microsoft.com/office/drawing/2010/main" xmlns="" w="9525">
                     <a:solidFill>
                       <a:srgbClr val="000000"/>
                     </a:solidFill>
@@ -9789,7 +9821,7 @@
               </a:ln>
               <a:extLst>
                 <a:ext uri="{91240B29-F687-4f45-9708-019B960494DF}">
-                  <a14:hiddenLine xmlns="" xmlns:a14="http://schemas.microsoft.com/office/drawing/2010/main" w="9525">
+                  <a14:hiddenLine xmlns:a14="http://schemas.microsoft.com/office/drawing/2010/main" xmlns="" w="9525">
                     <a:solidFill>
                       <a:srgbClr val="000000"/>
                     </a:solidFill>
@@ -9879,7 +9911,7 @@
               </a:ln>
               <a:extLst>
                 <a:ext uri="{91240B29-F687-4f45-9708-019B960494DF}">
-                  <a14:hiddenLine xmlns="" xmlns:a14="http://schemas.microsoft.com/office/drawing/2010/main" w="9525">
+                  <a14:hiddenLine xmlns:a14="http://schemas.microsoft.com/office/drawing/2010/main" xmlns="" w="9525">
                     <a:solidFill>
                       <a:srgbClr val="000000"/>
                     </a:solidFill>
@@ -9969,7 +10001,7 @@
               </a:ln>
               <a:extLst>
                 <a:ext uri="{91240B29-F687-4f45-9708-019B960494DF}">
-                  <a14:hiddenLine xmlns="" xmlns:a14="http://schemas.microsoft.com/office/drawing/2010/main" w="9525">
+                  <a14:hiddenLine xmlns:a14="http://schemas.microsoft.com/office/drawing/2010/main" xmlns="" w="9525">
                     <a:solidFill>
                       <a:srgbClr val="000000"/>
                     </a:solidFill>
@@ -10031,7 +10063,7 @@
               </a:ln>
               <a:extLst>
                 <a:ext uri="{91240B29-F687-4f45-9708-019B960494DF}">
-                  <a14:hiddenLine xmlns="" xmlns:a14="http://schemas.microsoft.com/office/drawing/2010/main" w="9525">
+                  <a14:hiddenLine xmlns:a14="http://schemas.microsoft.com/office/drawing/2010/main" xmlns="" w="9525">
                     <a:solidFill>
                       <a:srgbClr val="000000"/>
                     </a:solidFill>
@@ -10141,7 +10173,7 @@
               </a:ln>
               <a:extLst>
                 <a:ext uri="{91240B29-F687-4f45-9708-019B960494DF}">
-                  <a14:hiddenLine xmlns="" xmlns:a14="http://schemas.microsoft.com/office/drawing/2010/main" w="9525">
+                  <a14:hiddenLine xmlns:a14="http://schemas.microsoft.com/office/drawing/2010/main" xmlns="" w="9525">
                     <a:solidFill>
                       <a:srgbClr val="000000"/>
                     </a:solidFill>
@@ -10225,7 +10257,7 @@
               </a:ln>
               <a:extLst>
                 <a:ext uri="{91240B29-F687-4f45-9708-019B960494DF}">
-                  <a14:hiddenLine xmlns="" xmlns:a14="http://schemas.microsoft.com/office/drawing/2010/main" w="9525">
+                  <a14:hiddenLine xmlns:a14="http://schemas.microsoft.com/office/drawing/2010/main" xmlns="" w="9525">
                     <a:solidFill>
                       <a:srgbClr val="000000"/>
                     </a:solidFill>
@@ -10287,7 +10319,7 @@
               </a:ln>
               <a:extLst>
                 <a:ext uri="{91240B29-F687-4f45-9708-019B960494DF}">
-                  <a14:hiddenLine xmlns="" xmlns:a14="http://schemas.microsoft.com/office/drawing/2010/main" w="9525">
+                  <a14:hiddenLine xmlns:a14="http://schemas.microsoft.com/office/drawing/2010/main" xmlns="" w="9525">
                     <a:solidFill>
                       <a:srgbClr val="000000"/>
                     </a:solidFill>
@@ -10349,7 +10381,7 @@
               </a:ln>
               <a:extLst>
                 <a:ext uri="{91240B29-F687-4f45-9708-019B960494DF}">
-                  <a14:hiddenLine xmlns="" xmlns:a14="http://schemas.microsoft.com/office/drawing/2010/main" w="9525">
+                  <a14:hiddenLine xmlns:a14="http://schemas.microsoft.com/office/drawing/2010/main" xmlns="" w="9525">
                     <a:solidFill>
                       <a:srgbClr val="000000"/>
                     </a:solidFill>
@@ -10439,7 +10471,7 @@
               </a:ln>
               <a:extLst>
                 <a:ext uri="{91240B29-F687-4f45-9708-019B960494DF}">
-                  <a14:hiddenLine xmlns="" xmlns:a14="http://schemas.microsoft.com/office/drawing/2010/main" w="9525">
+                  <a14:hiddenLine xmlns:a14="http://schemas.microsoft.com/office/drawing/2010/main" xmlns="" w="9525">
                     <a:solidFill>
                       <a:srgbClr val="000000"/>
                     </a:solidFill>
@@ -10473,7 +10505,7 @@
               </a:ln>
               <a:extLst>
                 <a:ext uri="{91240B29-F687-4f45-9708-019B960494DF}">
-                  <a14:hiddenLine xmlns="" xmlns:a14="http://schemas.microsoft.com/office/drawing/2010/main" w="9525">
+                  <a14:hiddenLine xmlns:a14="http://schemas.microsoft.com/office/drawing/2010/main" xmlns="" w="9525">
                     <a:solidFill>
                       <a:srgbClr val="000000"/>
                     </a:solidFill>
@@ -10538,7 +10570,7 @@
               </a:ln>
               <a:extLst>
                 <a:ext uri="{91240B29-F687-4f45-9708-019B960494DF}">
-                  <a14:hiddenLine xmlns="" xmlns:a14="http://schemas.microsoft.com/office/drawing/2010/main" w="9525">
+                  <a14:hiddenLine xmlns:a14="http://schemas.microsoft.com/office/drawing/2010/main" xmlns="" w="9525">
                     <a:solidFill>
                       <a:srgbClr val="000000"/>
                     </a:solidFill>
@@ -10628,7 +10660,7 @@
               </a:ln>
               <a:extLst>
                 <a:ext uri="{91240B29-F687-4f45-9708-019B960494DF}">
-                  <a14:hiddenLine xmlns="" xmlns:a14="http://schemas.microsoft.com/office/drawing/2010/main" w="9525">
+                  <a14:hiddenLine xmlns:a14="http://schemas.microsoft.com/office/drawing/2010/main" xmlns="" w="9525">
                     <a:solidFill>
                       <a:srgbClr val="000000"/>
                     </a:solidFill>
@@ -10690,7 +10722,7 @@
               </a:ln>
               <a:extLst>
                 <a:ext uri="{91240B29-F687-4f45-9708-019B960494DF}">
-                  <a14:hiddenLine xmlns="" xmlns:a14="http://schemas.microsoft.com/office/drawing/2010/main" w="9525">
+                  <a14:hiddenLine xmlns:a14="http://schemas.microsoft.com/office/drawing/2010/main" xmlns="" w="9525">
                     <a:solidFill>
                       <a:srgbClr val="000000"/>
                     </a:solidFill>
@@ -10780,7 +10812,7 @@
               </a:ln>
               <a:extLst>
                 <a:ext uri="{91240B29-F687-4f45-9708-019B960494DF}">
-                  <a14:hiddenLine xmlns="" xmlns:a14="http://schemas.microsoft.com/office/drawing/2010/main" w="9525">
+                  <a14:hiddenLine xmlns:a14="http://schemas.microsoft.com/office/drawing/2010/main" xmlns="" w="9525">
                     <a:solidFill>
                       <a:srgbClr val="000000"/>
                     </a:solidFill>
@@ -10845,7 +10877,7 @@
               </a:ln>
               <a:extLst>
                 <a:ext uri="{91240B29-F687-4f45-9708-019B960494DF}">
-                  <a14:hiddenLine xmlns="" xmlns:a14="http://schemas.microsoft.com/office/drawing/2010/main" w="9525">
+                  <a14:hiddenLine xmlns:a14="http://schemas.microsoft.com/office/drawing/2010/main" xmlns="" w="9525">
                     <a:solidFill>
                       <a:srgbClr val="000000"/>
                     </a:solidFill>
@@ -10907,7 +10939,7 @@
               </a:ln>
               <a:extLst>
                 <a:ext uri="{91240B29-F687-4f45-9708-019B960494DF}">
-                  <a14:hiddenLine xmlns="" xmlns:a14="http://schemas.microsoft.com/office/drawing/2010/main" w="9525">
+                  <a14:hiddenLine xmlns:a14="http://schemas.microsoft.com/office/drawing/2010/main" xmlns="" w="9525">
                     <a:solidFill>
                       <a:srgbClr val="000000"/>
                     </a:solidFill>
@@ -10997,7 +11029,7 @@
               </a:ln>
               <a:extLst>
                 <a:ext uri="{91240B29-F687-4f45-9708-019B960494DF}">
-                  <a14:hiddenLine xmlns="" xmlns:a14="http://schemas.microsoft.com/office/drawing/2010/main" w="9525">
+                  <a14:hiddenLine xmlns:a14="http://schemas.microsoft.com/office/drawing/2010/main" xmlns="" w="9525">
                     <a:solidFill>
                       <a:srgbClr val="000000"/>
                     </a:solidFill>
@@ -11087,7 +11119,7 @@
               </a:ln>
               <a:extLst>
                 <a:ext uri="{91240B29-F687-4f45-9708-019B960494DF}">
-                  <a14:hiddenLine xmlns="" xmlns:a14="http://schemas.microsoft.com/office/drawing/2010/main" w="9525">
+                  <a14:hiddenLine xmlns:a14="http://schemas.microsoft.com/office/drawing/2010/main" xmlns="" w="9525">
                     <a:solidFill>
                       <a:srgbClr val="000000"/>
                     </a:solidFill>
@@ -11152,7 +11184,7 @@
               </a:ln>
               <a:extLst>
                 <a:ext uri="{91240B29-F687-4f45-9708-019B960494DF}">
-                  <a14:hiddenLine xmlns="" xmlns:a14="http://schemas.microsoft.com/office/drawing/2010/main" w="9525">
+                  <a14:hiddenLine xmlns:a14="http://schemas.microsoft.com/office/drawing/2010/main" xmlns="" w="9525">
                     <a:solidFill>
                       <a:srgbClr val="000000"/>
                     </a:solidFill>
@@ -11272,7 +11304,7 @@
               </a:ln>
               <a:extLst>
                 <a:ext uri="{91240B29-F687-4f45-9708-019B960494DF}">
-                  <a14:hiddenLine xmlns="" xmlns:a14="http://schemas.microsoft.com/office/drawing/2010/main" w="9525">
+                  <a14:hiddenLine xmlns:a14="http://schemas.microsoft.com/office/drawing/2010/main" xmlns="" w="9525">
                     <a:solidFill>
                       <a:srgbClr val="000000"/>
                     </a:solidFill>
@@ -11370,7 +11402,7 @@
               </a:ln>
               <a:extLst>
                 <a:ext uri="{91240B29-F687-4f45-9708-019B960494DF}">
-                  <a14:hiddenLine xmlns="" xmlns:a14="http://schemas.microsoft.com/office/drawing/2010/main" w="9525">
+                  <a14:hiddenLine xmlns:a14="http://schemas.microsoft.com/office/drawing/2010/main" xmlns="" w="9525">
                     <a:solidFill>
                       <a:srgbClr val="000000"/>
                     </a:solidFill>
@@ -11485,7 +11517,7 @@
               </a:ln>
               <a:extLst>
                 <a:ext uri="{91240B29-F687-4f45-9708-019B960494DF}">
-                  <a14:hiddenLine xmlns="" xmlns:a14="http://schemas.microsoft.com/office/drawing/2010/main" w="9525">
+                  <a14:hiddenLine xmlns:a14="http://schemas.microsoft.com/office/drawing/2010/main" xmlns="" w="9525">
                     <a:solidFill>
                       <a:srgbClr val="000000"/>
                     </a:solidFill>
@@ -11575,7 +11607,7 @@
               </a:ln>
               <a:extLst>
                 <a:ext uri="{91240B29-F687-4f45-9708-019B960494DF}">
-                  <a14:hiddenLine xmlns="" xmlns:a14="http://schemas.microsoft.com/office/drawing/2010/main" w="9525">
+                  <a14:hiddenLine xmlns:a14="http://schemas.microsoft.com/office/drawing/2010/main" xmlns="" w="9525">
                     <a:solidFill>
                       <a:srgbClr val="000000"/>
                     </a:solidFill>
@@ -11640,7 +11672,7 @@
               </a:ln>
               <a:extLst>
                 <a:ext uri="{91240B29-F687-4f45-9708-019B960494DF}">
-                  <a14:hiddenLine xmlns="" xmlns:a14="http://schemas.microsoft.com/office/drawing/2010/main" w="9525">
+                  <a14:hiddenLine xmlns:a14="http://schemas.microsoft.com/office/drawing/2010/main" xmlns="" w="9525">
                     <a:solidFill>
                       <a:srgbClr val="000000"/>
                     </a:solidFill>
@@ -11730,7 +11762,7 @@
               </a:ln>
               <a:extLst>
                 <a:ext uri="{91240B29-F687-4f45-9708-019B960494DF}">
-                  <a14:hiddenLine xmlns="" xmlns:a14="http://schemas.microsoft.com/office/drawing/2010/main" w="9525">
+                  <a14:hiddenLine xmlns:a14="http://schemas.microsoft.com/office/drawing/2010/main" xmlns="" w="9525">
                     <a:solidFill>
                       <a:srgbClr val="000000"/>
                     </a:solidFill>
@@ -11798,7 +11830,7 @@
               </a:ln>
               <a:extLst>
                 <a:ext uri="{91240B29-F687-4f45-9708-019B960494DF}">
-                  <a14:hiddenLine xmlns="" xmlns:a14="http://schemas.microsoft.com/office/drawing/2010/main" w="9525">
+                  <a14:hiddenLine xmlns:a14="http://schemas.microsoft.com/office/drawing/2010/main" xmlns="" w="9525">
                     <a:solidFill>
                       <a:srgbClr val="000000"/>
                     </a:solidFill>
@@ -11888,7 +11920,7 @@
               </a:ln>
               <a:extLst>
                 <a:ext uri="{91240B29-F687-4f45-9708-019B960494DF}">
-                  <a14:hiddenLine xmlns="" xmlns:a14="http://schemas.microsoft.com/office/drawing/2010/main" w="9525">
+                  <a14:hiddenLine xmlns:a14="http://schemas.microsoft.com/office/drawing/2010/main" xmlns="" w="9525">
                     <a:solidFill>
                       <a:srgbClr val="000000"/>
                     </a:solidFill>
@@ -11956,7 +11988,7 @@
               </a:ln>
               <a:extLst>
                 <a:ext uri="{91240B29-F687-4f45-9708-019B960494DF}">
-                  <a14:hiddenLine xmlns="" xmlns:a14="http://schemas.microsoft.com/office/drawing/2010/main" w="9525">
+                  <a14:hiddenLine xmlns:a14="http://schemas.microsoft.com/office/drawing/2010/main" xmlns="" w="9525">
                     <a:solidFill>
                       <a:srgbClr val="000000"/>
                     </a:solidFill>
@@ -12046,7 +12078,7 @@
               </a:ln>
               <a:extLst>
                 <a:ext uri="{91240B29-F687-4f45-9708-019B960494DF}">
-                  <a14:hiddenLine xmlns="" xmlns:a14="http://schemas.microsoft.com/office/drawing/2010/main" w="9525">
+                  <a14:hiddenLine xmlns:a14="http://schemas.microsoft.com/office/drawing/2010/main" xmlns="" w="9525">
                     <a:solidFill>
                       <a:srgbClr val="000000"/>
                     </a:solidFill>
@@ -12080,7 +12112,7 @@
               </a:ln>
               <a:extLst>
                 <a:ext uri="{91240B29-F687-4f45-9708-019B960494DF}">
-                  <a14:hiddenLine xmlns="" xmlns:a14="http://schemas.microsoft.com/office/drawing/2010/main" w="9525">
+                  <a14:hiddenLine xmlns:a14="http://schemas.microsoft.com/office/drawing/2010/main" xmlns="" w="9525">
                     <a:solidFill>
                       <a:srgbClr val="000000"/>
                     </a:solidFill>
@@ -12221,7 +12253,7 @@
             <a:fld id="{42976A4C-B4EB-4DB5-84F6-2C8938567122}" type="datetimeFigureOut">
               <a:rPr lang="en-US" smtClean="0"/>
               <a:pPr/>
-              <a:t>11/30/2020</a:t>
+              <a:t>12/3/2020</a:t>
             </a:fld>
             <a:endParaRPr lang="en-US"/>
           </a:p>
@@ -13077,6 +13109,59 @@
           </a:p>
         </p:txBody>
       </p:sp>
+      <p:sp>
+        <p:nvSpPr>
+          <p:cNvPr id="3" name="TextBox 2">
+            <a:extLst>
+              <a:ext uri="{FF2B5EF4-FFF2-40B4-BE49-F238E27FC236}">
+                <a16:creationId xmlns:a16="http://schemas.microsoft.com/office/drawing/2014/main" id="{524E5F93-0479-4198-B08B-B525E1CF19A4}"/>
+              </a:ext>
+            </a:extLst>
+          </p:cNvPr>
+          <p:cNvSpPr txBox="1"/>
+          <p:nvPr/>
+        </p:nvSpPr>
+        <p:spPr>
+          <a:xfrm>
+            <a:off x="1056167" y="5380074"/>
+            <a:ext cx="6411432" cy="369332"/>
+          </a:xfrm>
+          <a:prstGeom prst="rect">
+            <a:avLst/>
+          </a:prstGeom>
+          <a:noFill/>
+        </p:spPr>
+        <p:txBody>
+          <a:bodyPr rot="0" spcFirstLastPara="0" vertOverflow="overflow" horzOverflow="overflow" vert="horz" wrap="square" lIns="91440" tIns="45720" rIns="91440" bIns="45720" numCol="1" spcCol="0" rtlCol="0" fromWordArt="0" anchor="t" anchorCtr="0" forceAA="0" compatLnSpc="1">
+            <a:prstTxWarp prst="textNoShape">
+              <a:avLst/>
+            </a:prstTxWarp>
+            <a:spAutoFit/>
+          </a:bodyPr>
+          <a:lstStyle/>
+          <a:p>
+            <a:r>
+              <a:rPr lang="en-GB" b="1" dirty="0"/>
+              <a:t>GitHub Link: </a:t>
+            </a:r>
+            <a:r>
+              <a:rPr lang="en-GB" dirty="0">
+                <a:solidFill>
+                  <a:srgbClr val="FFC000"/>
+                </a:solidFill>
+                <a:ea typeface="+mn-lt"/>
+                <a:cs typeface="+mn-lt"/>
+              </a:rPr>
+              <a:t>https://github.com/actualharris/weatherapplication</a:t>
+            </a:r>
+            <a:endParaRPr lang="en-GB" b="1">
+              <a:solidFill>
+                <a:srgbClr val="FFC000"/>
+              </a:solidFill>
+            </a:endParaRPr>
+          </a:p>
+        </p:txBody>
+      </p:sp>
     </p:spTree>
     <p:extLst>
       <p:ext uri="{BB962C8B-B14F-4D97-AF65-F5344CB8AC3E}">
